--- a/C03 DEXPI Example Tank Displ Pump Pipe with Tee/C03V01.pptx
+++ b/C03 DEXPI Example Tank Displ Pump Pipe with Tee/C03V01.pptx
@@ -243,7 +243,7 @@
           <a:p>
             <a:fld id="{7B4647BB-E165-46F7-A431-EA24D72740CB}" type="datetimeFigureOut">
               <a:rPr lang="en-GB" smtClean="0"/>
-              <a:t>15/03/2017</a:t>
+              <a:t>16/03/2017</a:t>
             </a:fld>
             <a:endParaRPr lang="en-GB"/>
           </a:p>
@@ -413,7 +413,7 @@
           <a:p>
             <a:fld id="{7B4647BB-E165-46F7-A431-EA24D72740CB}" type="datetimeFigureOut">
               <a:rPr lang="en-GB" smtClean="0"/>
-              <a:t>15/03/2017</a:t>
+              <a:t>16/03/2017</a:t>
             </a:fld>
             <a:endParaRPr lang="en-GB"/>
           </a:p>
@@ -593,7 +593,7 @@
           <a:p>
             <a:fld id="{7B4647BB-E165-46F7-A431-EA24D72740CB}" type="datetimeFigureOut">
               <a:rPr lang="en-GB" smtClean="0"/>
-              <a:t>15/03/2017</a:t>
+              <a:t>16/03/2017</a:t>
             </a:fld>
             <a:endParaRPr lang="en-GB"/>
           </a:p>
@@ -763,7 +763,7 @@
           <a:p>
             <a:fld id="{7B4647BB-E165-46F7-A431-EA24D72740CB}" type="datetimeFigureOut">
               <a:rPr lang="en-GB" smtClean="0"/>
-              <a:t>15/03/2017</a:t>
+              <a:t>16/03/2017</a:t>
             </a:fld>
             <a:endParaRPr lang="en-GB"/>
           </a:p>
@@ -1009,7 +1009,7 @@
           <a:p>
             <a:fld id="{7B4647BB-E165-46F7-A431-EA24D72740CB}" type="datetimeFigureOut">
               <a:rPr lang="en-GB" smtClean="0"/>
-              <a:t>15/03/2017</a:t>
+              <a:t>16/03/2017</a:t>
             </a:fld>
             <a:endParaRPr lang="en-GB"/>
           </a:p>
@@ -1241,7 +1241,7 @@
           <a:p>
             <a:fld id="{7B4647BB-E165-46F7-A431-EA24D72740CB}" type="datetimeFigureOut">
               <a:rPr lang="en-GB" smtClean="0"/>
-              <a:t>15/03/2017</a:t>
+              <a:t>16/03/2017</a:t>
             </a:fld>
             <a:endParaRPr lang="en-GB"/>
           </a:p>
@@ -1608,7 +1608,7 @@
           <a:p>
             <a:fld id="{7B4647BB-E165-46F7-A431-EA24D72740CB}" type="datetimeFigureOut">
               <a:rPr lang="en-GB" smtClean="0"/>
-              <a:t>15/03/2017</a:t>
+              <a:t>16/03/2017</a:t>
             </a:fld>
             <a:endParaRPr lang="en-GB"/>
           </a:p>
@@ -1726,7 +1726,7 @@
           <a:p>
             <a:fld id="{7B4647BB-E165-46F7-A431-EA24D72740CB}" type="datetimeFigureOut">
               <a:rPr lang="en-GB" smtClean="0"/>
-              <a:t>15/03/2017</a:t>
+              <a:t>16/03/2017</a:t>
             </a:fld>
             <a:endParaRPr lang="en-GB"/>
           </a:p>
@@ -1821,7 +1821,7 @@
           <a:p>
             <a:fld id="{7B4647BB-E165-46F7-A431-EA24D72740CB}" type="datetimeFigureOut">
               <a:rPr lang="en-GB" smtClean="0"/>
-              <a:t>15/03/2017</a:t>
+              <a:t>16/03/2017</a:t>
             </a:fld>
             <a:endParaRPr lang="en-GB"/>
           </a:p>
@@ -2098,7 +2098,7 @@
           <a:p>
             <a:fld id="{7B4647BB-E165-46F7-A431-EA24D72740CB}" type="datetimeFigureOut">
               <a:rPr lang="en-GB" smtClean="0"/>
-              <a:t>15/03/2017</a:t>
+              <a:t>16/03/2017</a:t>
             </a:fld>
             <a:endParaRPr lang="en-GB"/>
           </a:p>
@@ -2351,7 +2351,7 @@
           <a:p>
             <a:fld id="{7B4647BB-E165-46F7-A431-EA24D72740CB}" type="datetimeFigureOut">
               <a:rPr lang="en-GB" smtClean="0"/>
-              <a:t>15/03/2017</a:t>
+              <a:t>16/03/2017</a:t>
             </a:fld>
             <a:endParaRPr lang="en-GB"/>
           </a:p>
@@ -2564,7 +2564,7 @@
           <a:p>
             <a:fld id="{7B4647BB-E165-46F7-A431-EA24D72740CB}" type="datetimeFigureOut">
               <a:rPr lang="en-GB" smtClean="0"/>
-              <a:t>15/03/2017</a:t>
+              <a:t>16/03/2017</a:t>
             </a:fld>
             <a:endParaRPr lang="en-GB"/>
           </a:p>
@@ -2985,14 +2985,74 @@
         </p:blipFill>
         <p:spPr>
           <a:xfrm>
-            <a:off x="1587260" y="189527"/>
-            <a:ext cx="9100868" cy="6538859"/>
+            <a:off x="4787244" y="2488676"/>
+            <a:ext cx="5900883" cy="4239710"/>
           </a:xfrm>
           <a:prstGeom prst="rect">
             <a:avLst/>
           </a:prstGeom>
         </p:spPr>
       </p:pic>
+      <p:sp>
+        <p:nvSpPr>
+          <p:cNvPr id="3" name="Title 2"/>
+          <p:cNvSpPr>
+            <a:spLocks noGrp="1"/>
+          </p:cNvSpPr>
+          <p:nvPr>
+            <p:ph type="title"/>
+          </p:nvPr>
+        </p:nvSpPr>
+        <p:spPr/>
+        <p:txBody>
+          <a:bodyPr/>
+          <a:lstStyle/>
+          <a:p>
+            <a:r>
+              <a:rPr lang="en-US" dirty="0"/>
+              <a:t>DEXPI Example Tank </a:t>
+            </a:r>
+            <a:r>
+              <a:rPr lang="en-US" dirty="0" err="1"/>
+              <a:t>Displ</a:t>
+            </a:r>
+            <a:r>
+              <a:rPr lang="en-US" dirty="0"/>
+              <a:t> Pump Pipe with Tee</a:t>
+            </a:r>
+          </a:p>
+        </p:txBody>
+      </p:sp>
+      <p:sp>
+        <p:nvSpPr>
+          <p:cNvPr id="4" name="Content Placeholder 3"/>
+          <p:cNvSpPr>
+            <a:spLocks noGrp="1"/>
+          </p:cNvSpPr>
+          <p:nvPr>
+            <p:ph idx="1"/>
+          </p:nvPr>
+        </p:nvSpPr>
+        <p:spPr/>
+        <p:txBody>
+          <a:bodyPr/>
+          <a:lstStyle/>
+          <a:p>
+            <a:r>
+              <a:rPr lang="en-US" dirty="0"/>
+              <a:t>This is the DEXPI Example Tank T4750 Displacement Pump P4711 Pipe with Tee and </a:t>
+            </a:r>
+            <a:r>
+              <a:rPr lang="en-US" dirty="0" err="1"/>
+              <a:t>Refief</a:t>
+            </a:r>
+            <a:r>
+              <a:rPr lang="en-US" dirty="0"/>
+              <a:t> Valve</a:t>
+            </a:r>
+          </a:p>
+        </p:txBody>
+      </p:sp>
     </p:spTree>
     <p:extLst>
       <p:ext uri="{BB962C8B-B14F-4D97-AF65-F5344CB8AC3E}">

--- a/C03 DEXPI Example Tank Displ Pump Pipe with Tee/C03V01.pptx
+++ b/C03 DEXPI Example Tank Displ Pump Pipe with Tee/C03V01.pptx
@@ -2985,7 +2985,7 @@
         </p:blipFill>
         <p:spPr>
           <a:xfrm>
-            <a:off x="4787244" y="2488676"/>
+            <a:off x="5239730" y="2422688"/>
             <a:ext cx="5900883" cy="4239710"/>
           </a:xfrm>
           <a:prstGeom prst="rect">
